--- a/econ-135-lecture-3-outline-malthusian-theory.pptx
+++ b/econ-135-lecture-3-outline-malthusian-theory.pptx
@@ -2229,7 +2229,7 @@
             </a:r>
             <a:r>
               <a:rPr b="0"/>
-              <a:t> Malthusian economies paper &lt;</a:t>
+              <a:t> What is economics? paper &lt;</a:t>
             </a:r>
             <a:r>
               <a:rPr b="0" u="sng">
@@ -2243,7 +2243,7 @@
                 </a:uFill>
                 <a:hlinkClick r:id="rId7" invalidUrl="" action="" tgtFrame="" tooltip="" history="1" highlightClick="0" endSnd="0"/>
               </a:rPr>
-              <a:t>https://bcourses.berkeley.edu/courses/1487685/assignments/8065917</a:t>
+              <a:t>https://bcourses.berkeley.edu/courses/1487685/assignments/8065184</a:t>
             </a:r>
             <a:r>
               <a:rPr b="0"/>

--- a/econ-135-lecture-3-outline-malthusian-theory.pptx
+++ b/econ-135-lecture-3-outline-malthusian-theory.pptx
@@ -2025,7 +2025,7 @@
                 </a:uFill>
                 <a:hlinkClick r:id="rId4" invalidUrl="" action="" tgtFrame="" tooltip="" history="1" highlightClick="0" endSnd="0"/>
               </a:rPr>
-              <a:t>https://github.com/braddelong/public-files/blob/master/econ-135-lecture-2.pptx</a:t>
+              <a:t>https://github.com/braddelong/public-files/blob/master/econ-135-lecture-3.pptx</a:t>
             </a:r>
             <a:r>
               <a:rPr b="0"/>

--- a/econ-135-lecture-3-outline-malthusian-theory.pptx
+++ b/econ-135-lecture-3-outline-malthusian-theory.pptx
@@ -9,6 +9,7 @@
   </p:notesMasterIdLst>
   <p:sldIdLst>
     <p:sldId id="256" r:id="rId8"/>
+    <p:sldId id="257" r:id="rId9"/>
   </p:sldIdLst>
   <p:sldSz cx="9144000" cy="6858000"/>
   <p:notesSz cx="6858000" cy="9144000"/>
@@ -2444,7 +2445,7 @@
       </p:sp>
       <p:sp>
         <p:nvSpPr>
-          <p:cNvPr id="37" name="Lecture Outline"/>
+          <p:cNvPr id="37" name="Lecture 3: Malthusian Theory: Outline"/>
           <p:cNvSpPr txBox="1"/>
           <p:nvPr>
             <p:ph type="title" idx="4294967295"/>
@@ -2464,8 +2465,8 @@
             <a:normAutofit fontScale="100000" lnSpcReduction="0"/>
           </a:bodyPr>
           <a:lstStyle>
-            <a:lvl1pPr>
-              <a:defRPr sz="6000">
+            <a:lvl1pPr defTabSz="288036">
+              <a:defRPr sz="3780">
                 <a:latin typeface="+mj-lt"/>
                 <a:ea typeface="+mj-ea"/>
                 <a:cs typeface="+mj-cs"/>
@@ -2476,11 +2477,370 @@
           <a:p>
             <a:pPr/>
             <a:r>
-              <a:t>Lecture Outline</a:t>
+              <a:t>Lecture 3: Malthusian Theory: Outline</a:t>
             </a:r>
           </a:p>
         </p:txBody>
       </p:sp>
+    </p:spTree>
+  </p:cSld>
+  <p:clrMapOvr>
+    <a:masterClrMapping/>
+  </p:clrMapOvr>
+  <p:transition xmlns:p14="http://schemas.microsoft.com/office/powerpoint/2010/main" spd="med" advClick="1"/>
+</p:sld>
+</file>
+
+<file path=ppt/slides/slide2.xml><?xml version="1.0" encoding="utf-8"?>
+<p:sld xmlns:a="http://schemas.openxmlformats.org/drawingml/2006/main" xmlns:r="http://schemas.openxmlformats.org/officeDocument/2006/relationships" xmlns:p="http://schemas.openxmlformats.org/presentationml/2006/main" xmlns:m="http://schemas.openxmlformats.org/officeDocument/2006/math" xmlns:a14="http://schemas.microsoft.com/office/drawing/2010/main" showMasterSp="1" showMasterPhAnim="1">
+  <p:cSld>
+    <p:spTree>
+      <p:nvGrpSpPr>
+        <p:cNvPr id="1" name=""/>
+        <p:cNvGrpSpPr/>
+        <p:nvPr/>
+      </p:nvGrpSpPr>
+      <p:grpSpPr>
+        <a:xfrm>
+          <a:off x="0" y="0"/>
+          <a:ext cx="0" cy="0"/>
+          <a:chOff x="0" y="0"/>
+          <a:chExt cx="0" cy="0"/>
+        </a:xfrm>
+      </p:grpSpPr>
+      <p:sp>
+        <p:nvSpPr>
+          <p:cNvPr id="39" name="Big Ideas: Lecture 3: Malthusian Theory"/>
+          <p:cNvSpPr txBox="1"/>
+          <p:nvPr>
+            <p:ph type="title" idx="4294967295"/>
+          </p:nvPr>
+        </p:nvSpPr>
+        <p:spPr>
+          <a:xfrm>
+            <a:off x="277663" y="-1"/>
+            <a:ext cx="8572501" cy="1270001"/>
+          </a:xfrm>
+          <a:prstGeom prst="rect">
+            <a:avLst/>
+          </a:prstGeom>
+        </p:spPr>
+        <p:txBody>
+          <a:bodyPr>
+            <a:normAutofit fontScale="100000" lnSpcReduction="0"/>
+          </a:bodyPr>
+          <a:lstStyle>
+            <a:lvl1pPr defTabSz="288036">
+              <a:defRPr sz="3780"/>
+            </a:lvl1pPr>
+          </a:lstStyle>
+          <a:p>
+            <a:pPr/>
+            <a:r>
+              <a:t>Big Ideas: Lecture 3: Malthusian Theory</a:t>
+            </a:r>
+          </a:p>
+        </p:txBody>
+      </p:sp>
+      <p:sp>
+        <p:nvSpPr>
+          <p:cNvPr id="40" name="Takeaways from this lecture:…"/>
+          <p:cNvSpPr txBox="1"/>
+          <p:nvPr>
+            <p:ph type="body" idx="4294967295"/>
+          </p:nvPr>
+        </p:nvSpPr>
+        <p:spPr>
+          <a:xfrm>
+            <a:off x="277663" y="1270000"/>
+            <a:ext cx="8572501" cy="3263073"/>
+          </a:xfrm>
+          <a:prstGeom prst="rect">
+            <a:avLst/>
+          </a:prstGeom>
+        </p:spPr>
+        <p:txBody>
+          <a:bodyPr>
+            <a:normAutofit fontScale="100000" lnSpcReduction="0"/>
+          </a:bodyPr>
+          <a:lstStyle/>
+          <a:p>
+            <a:pPr marL="0" indent="0" defTabSz="265175">
+              <a:spcBef>
+                <a:spcPts val="600"/>
+              </a:spcBef>
+              <a:buSzTx/>
+              <a:buFontTx/>
+              <a:buNone/>
+              <a:defRPr sz="1392">
+                <a:latin typeface="Times New Roman"/>
+                <a:ea typeface="Times New Roman"/>
+                <a:cs typeface="Times New Roman"/>
+                <a:sym typeface="Times New Roman"/>
+              </a:defRPr>
+            </a:pPr>
+            <a:r>
+              <a:rPr b="1"/>
+              <a:t>Takeaways from this lecture:</a:t>
+            </a:r>
+          </a:p>
+          <a:p>
+            <a:pPr marL="139566" indent="-139566" defTabSz="265175">
+              <a:spcBef>
+                <a:spcPts val="600"/>
+              </a:spcBef>
+              <a:buFontTx/>
+              <a:defRPr sz="1392">
+                <a:latin typeface="Times New Roman"/>
+                <a:ea typeface="Times New Roman"/>
+                <a:cs typeface="Times New Roman"/>
+                <a:sym typeface="Times New Roman"/>
+              </a:defRPr>
+            </a:pPr>
+            <a:r>
+              <a:t>People were ingenious and inventive back before 1500, yet standards of living did not increase</a:t>
+            </a:r>
+          </a:p>
+          <a:p>
+            <a:pPr marL="139566" indent="-139566" defTabSz="265175">
+              <a:spcBef>
+                <a:spcPts val="600"/>
+              </a:spcBef>
+              <a:buFontTx/>
+              <a:defRPr sz="1392">
+                <a:latin typeface="Times New Roman"/>
+                <a:ea typeface="Times New Roman"/>
+                <a:cs typeface="Times New Roman"/>
+                <a:sym typeface="Times New Roman"/>
+              </a:defRPr>
+            </a:pPr>
+            <a:r>
+              <a:t>Populations, however, did</a:t>
+            </a:r>
+          </a:p>
+          <a:p>
+            <a:pPr lvl="1" marL="360546" indent="-139566" defTabSz="265175">
+              <a:spcBef>
+                <a:spcPts val="600"/>
+              </a:spcBef>
+              <a:buFontTx/>
+              <a:buChar char="•"/>
+              <a:defRPr sz="1392">
+                <a:latin typeface="Times New Roman"/>
+                <a:ea typeface="Times New Roman"/>
+                <a:cs typeface="Times New Roman"/>
+                <a:sym typeface="Times New Roman"/>
+              </a:defRPr>
+            </a:pPr>
+            <a:r>
+              <a:t>Slowly</a:t>
+            </a:r>
+          </a:p>
+          <a:p>
+            <a:pPr marL="139566" indent="-139566" defTabSz="265175">
+              <a:spcBef>
+                <a:spcPts val="600"/>
+              </a:spcBef>
+              <a:buFontTx/>
+              <a:defRPr sz="1392">
+                <a:latin typeface="Times New Roman"/>
+                <a:ea typeface="Times New Roman"/>
+                <a:cs typeface="Times New Roman"/>
+                <a:sym typeface="Times New Roman"/>
+              </a:defRPr>
+            </a:pPr>
+            <a:r>
+              <a:t>We explain this via:</a:t>
+            </a:r>
+          </a:p>
+          <a:p>
+            <a:pPr lvl="1" marL="360546" indent="-139566" defTabSz="265175">
+              <a:spcBef>
+                <a:spcPts val="600"/>
+              </a:spcBef>
+              <a:buFontTx/>
+              <a:buChar char="•"/>
+              <a:defRPr sz="1392">
+                <a:latin typeface="Times New Roman"/>
+                <a:ea typeface="Times New Roman"/>
+                <a:cs typeface="Times New Roman"/>
+                <a:sym typeface="Times New Roman"/>
+              </a:defRPr>
+            </a:pPr>
+            <a:r>
+              <a:t>Natural resource scarcity: more heads means smaller farms which offset the productive benefit of better ideas: efficiency of labor growth </a:t>
+            </a:r>
+            <a:r>
+              <a:rPr b="1"/>
+              <a:t>g = h - n/γ</a:t>
+            </a:r>
+            <a:r>
+              <a:t>, where </a:t>
+            </a:r>
+            <a:r>
+              <a:rPr b="1"/>
+              <a:t>h</a:t>
+            </a:r>
+            <a:r>
+              <a:t> is ideas growth, </a:t>
+            </a:r>
+            <a:r>
+              <a:rPr b="1"/>
+              <a:t>n</a:t>
+            </a:r>
+            <a:r>
+              <a:t> is population and labor force growth, and </a:t>
+            </a:r>
+            <a:r>
+              <a:rPr b="1"/>
+              <a:t>γ</a:t>
+            </a:r>
+            <a:r>
+              <a:t> is the resource scarcity-pressure parameter.</a:t>
+            </a:r>
+          </a:p>
+          <a:p>
+            <a:pPr lvl="1" marL="360546" indent="-139566" defTabSz="265175">
+              <a:spcBef>
+                <a:spcPts val="600"/>
+              </a:spcBef>
+              <a:buFontTx/>
+              <a:buChar char="•"/>
+              <a:defRPr sz="1392">
+                <a:latin typeface="Times New Roman"/>
+                <a:ea typeface="Times New Roman"/>
+                <a:cs typeface="Times New Roman"/>
+                <a:sym typeface="Times New Roman"/>
+              </a:defRPr>
+            </a:pPr>
+            <a:r>
+              <a:t>Population pressure: before the </a:t>
+            </a:r>
+            <a:r>
+              <a:rPr b="1"/>
+              <a:t>demographic transition</a:t>
+            </a:r>
+            <a:r>
+              <a:t>, higher standards of living mean faster population growth: </a:t>
+            </a:r>
+            <a:r>
+              <a:rPr b="1"/>
+              <a:t>n = β(y/(Φy</a:t>
+            </a:r>
+            <a:r>
+              <a:rPr b="1" baseline="31999"/>
+              <a:t>sub</a:t>
+            </a:r>
+            <a:r>
+              <a:rPr b="1"/>
+              <a:t>) - 1)</a:t>
+            </a:r>
+            <a:r>
+              <a:t>, where </a:t>
+            </a:r>
+            <a:r>
+              <a:rPr b="1"/>
+              <a:t>Φ</a:t>
+            </a:r>
+            <a:r>
+              <a:t> is taste for luxuries (inequality! urbanization!), </a:t>
+            </a:r>
+            <a:r>
+              <a:rPr b="1"/>
+              <a:t>y</a:t>
+            </a:r>
+            <a:r>
+              <a:rPr b="1" baseline="31999"/>
+              <a:t>sub</a:t>
+            </a:r>
+            <a:r>
+              <a:t> is the income level at which we have zpg on average, and </a:t>
+            </a:r>
+            <a:r>
+              <a:rPr b="1"/>
+              <a:t>β</a:t>
+            </a:r>
+            <a:r>
+              <a:t> is the population-responsiveness parameter</a:t>
+            </a:r>
+          </a:p>
+          <a:p>
+            <a:pPr marL="139566" indent="-139566" defTabSz="265175">
+              <a:spcBef>
+                <a:spcPts val="600"/>
+              </a:spcBef>
+              <a:buFontTx/>
+              <a:defRPr sz="1392">
+                <a:latin typeface="Times New Roman"/>
+                <a:ea typeface="Times New Roman"/>
+                <a:cs typeface="Times New Roman"/>
+                <a:sym typeface="Times New Roman"/>
+              </a:defRPr>
+            </a:pPr>
+            <a:r>
+              <a:t>Malthusian equilibrium, with efflorescences and declines:</a:t>
+            </a:r>
+          </a:p>
+        </p:txBody>
+      </p:sp>
+      <p:pic>
+        <p:nvPicPr>
+          <p:cNvPr id="41" name="Image" descr="Image"/>
+          <p:cNvPicPr>
+            <a:picLocks noChangeAspect="1"/>
+          </p:cNvPicPr>
+          <p:nvPr/>
+        </p:nvPicPr>
+        <p:blipFill>
+          <a:blip r:embed="rId2">
+            <a:extLst/>
+          </a:blip>
+          <a:stretch>
+            <a:fillRect/>
+          </a:stretch>
+        </p:blipFill>
+        <p:spPr>
+          <a:xfrm>
+            <a:off x="1780992" y="4533072"/>
+            <a:ext cx="4463450" cy="2105517"/>
+          </a:xfrm>
+          <a:prstGeom prst="rect">
+            <a:avLst/>
+          </a:prstGeom>
+          <a:ln w="12700">
+            <a:miter lim="400000"/>
+          </a:ln>
+        </p:spPr>
+      </p:pic>
+      <p:pic>
+        <p:nvPicPr>
+          <p:cNvPr id="42" name="Image" descr="Image"/>
+          <p:cNvPicPr>
+            <a:picLocks noChangeAspect="1"/>
+          </p:cNvPicPr>
+          <p:nvPr/>
+        </p:nvPicPr>
+        <p:blipFill>
+          <a:blip r:embed="rId3">
+            <a:extLst/>
+          </a:blip>
+          <a:stretch>
+            <a:fillRect/>
+          </a:stretch>
+        </p:blipFill>
+        <p:spPr>
+          <a:xfrm>
+            <a:off x="6244441" y="4533072"/>
+            <a:ext cx="2605723" cy="2105517"/>
+          </a:xfrm>
+          <a:prstGeom prst="rect">
+            <a:avLst/>
+          </a:prstGeom>
+          <a:ln w="12700">
+            <a:miter lim="400000"/>
+          </a:ln>
+        </p:spPr>
+      </p:pic>
     </p:spTree>
   </p:cSld>
   <p:clrMapOvr>
